--- a/Apresentação1.pptx
+++ b/Apresentação1.pptx
@@ -115,6 +115,11 @@
       </a:defRPr>
     </a:lvl9pPr>
   </p:defaultTextStyle>
+  <p:extLst>
+    <p:ext uri="{EFAFB233-063F-42B5-8137-9DF3F51BA10A}">
+      <p15:sldGuideLst xmlns:p15="http://schemas.microsoft.com/office/powerpoint/2012/main"/>
+    </p:ext>
+  </p:extLst>
 </p:presentation>
 </file>
 
@@ -212,7 +217,7 @@
           <a:p>
             <a:fld id="{AD706734-3F61-5B40-88A6-ABFC6779E807}" type="datetimeFigureOut">
               <a:rPr lang="pt-PT" smtClean="0"/>
-              <a:t>22/04/22</a:t>
+              <a:t>23/04/22</a:t>
             </a:fld>
             <a:endParaRPr lang="pt-PT"/>
           </a:p>
@@ -390,7 +395,7 @@
           <a:p>
             <a:fld id="{94C880E1-C067-8149-9221-D433D8DF0946}" type="datetimeFigureOut">
               <a:rPr lang="pt-PT" smtClean="0"/>
-              <a:t>22/04/22</a:t>
+              <a:t>23/04/22</a:t>
             </a:fld>
             <a:endParaRPr lang="pt-PT"/>
           </a:p>
@@ -805,7 +810,7 @@
           <a:p>
             <a:fld id="{C04ADCE5-3B2F-5B48-B99A-0554C50137F5}" type="datetime1">
               <a:rPr lang="pt-PT" smtClean="0"/>
-              <a:t>22/04/22</a:t>
+              <a:t>23/04/22</a:t>
             </a:fld>
             <a:endParaRPr lang="pt-PT"/>
           </a:p>
@@ -1003,7 +1008,7 @@
           <a:p>
             <a:fld id="{8E6E19DA-0572-8348-B393-747CDA520A2E}" type="datetime1">
               <a:rPr lang="pt-PT" smtClean="0"/>
-              <a:t>22/04/22</a:t>
+              <a:t>23/04/22</a:t>
             </a:fld>
             <a:endParaRPr lang="pt-PT"/>
           </a:p>
@@ -1211,7 +1216,7 @@
           <a:p>
             <a:fld id="{A5D41084-2F27-D54C-B9DA-74C387B41B1D}" type="datetime1">
               <a:rPr lang="pt-PT" smtClean="0"/>
-              <a:t>22/04/22</a:t>
+              <a:t>23/04/22</a:t>
             </a:fld>
             <a:endParaRPr lang="pt-PT"/>
           </a:p>
@@ -1409,7 +1414,7 @@
           <a:p>
             <a:fld id="{3370DCA6-D7CD-D548-9163-12B685ABA725}" type="datetime1">
               <a:rPr lang="pt-PT" smtClean="0"/>
-              <a:t>22/04/22</a:t>
+              <a:t>23/04/22</a:t>
             </a:fld>
             <a:endParaRPr lang="pt-PT"/>
           </a:p>
@@ -1684,7 +1689,7 @@
           <a:p>
             <a:fld id="{05FCE431-C370-184B-AF87-A03EAFA76757}" type="datetime1">
               <a:rPr lang="pt-PT" smtClean="0"/>
-              <a:t>22/04/22</a:t>
+              <a:t>23/04/22</a:t>
             </a:fld>
             <a:endParaRPr lang="pt-PT"/>
           </a:p>
@@ -1949,7 +1954,7 @@
           <a:p>
             <a:fld id="{604FE71F-F927-2348-A89A-51DE25CAF198}" type="datetime1">
               <a:rPr lang="pt-PT" smtClean="0"/>
-              <a:t>22/04/22</a:t>
+              <a:t>23/04/22</a:t>
             </a:fld>
             <a:endParaRPr lang="pt-PT"/>
           </a:p>
@@ -2361,7 +2366,7 @@
           <a:p>
             <a:fld id="{6FFBCE25-458E-1D42-9CEE-55194F3566E1}" type="datetime1">
               <a:rPr lang="pt-PT" smtClean="0"/>
-              <a:t>22/04/22</a:t>
+              <a:t>23/04/22</a:t>
             </a:fld>
             <a:endParaRPr lang="pt-PT"/>
           </a:p>
@@ -2502,7 +2507,7 @@
           <a:p>
             <a:fld id="{E16479DA-97C2-6C4C-9555-214726D31975}" type="datetime1">
               <a:rPr lang="pt-PT" smtClean="0"/>
-              <a:t>22/04/22</a:t>
+              <a:t>23/04/22</a:t>
             </a:fld>
             <a:endParaRPr lang="pt-PT"/>
           </a:p>
@@ -2615,7 +2620,7 @@
           <a:p>
             <a:fld id="{C95665F4-04F8-FD4B-B16F-D7860152FB26}" type="datetime1">
               <a:rPr lang="pt-PT" smtClean="0"/>
-              <a:t>22/04/22</a:t>
+              <a:t>23/04/22</a:t>
             </a:fld>
             <a:endParaRPr lang="pt-PT"/>
           </a:p>
@@ -2926,7 +2931,7 @@
           <a:p>
             <a:fld id="{FD81C3B9-7867-B347-8F36-8A5411A1281F}" type="datetime1">
               <a:rPr lang="pt-PT" smtClean="0"/>
-              <a:t>22/04/22</a:t>
+              <a:t>23/04/22</a:t>
             </a:fld>
             <a:endParaRPr lang="pt-PT"/>
           </a:p>
@@ -3214,7 +3219,7 @@
           <a:p>
             <a:fld id="{DBEFDE7D-6DF6-774A-B523-91BC827E7E1A}" type="datetime1">
               <a:rPr lang="pt-PT" smtClean="0"/>
-              <a:t>22/04/22</a:t>
+              <a:t>23/04/22</a:t>
             </a:fld>
             <a:endParaRPr lang="pt-PT"/>
           </a:p>
@@ -3455,7 +3460,7 @@
           <a:p>
             <a:fld id="{B7F8FD75-29D6-E548-94E9-2BE0137420BE}" type="datetime1">
               <a:rPr lang="pt-PT" smtClean="0"/>
-              <a:t>22/04/22</a:t>
+              <a:t>23/04/22</a:t>
             </a:fld>
             <a:endParaRPr lang="pt-PT"/>
           </a:p>
@@ -3936,8 +3941,13 @@
           <a:p>
             <a:r>
               <a:rPr lang="pt-PT" dirty="0"/>
-              <a:t>João Carvalho - </a:t>
-            </a:r>
+              <a:t>João Carvalho </a:t>
+            </a:r>
+            <a:r>
+              <a:rPr lang="pt-PT"/>
+              <a:t>- 89059</a:t>
+            </a:r>
+            <a:endParaRPr lang="pt-PT" dirty="0"/>
           </a:p>
         </p:txBody>
       </p:sp>
